--- a/UP-Diff Latent Diffusion Model for Remote Sensing Urban Prediction.pptx
+++ b/UP-Diff Latent Diffusion Model for Remote Sensing Urban Prediction.pptx
@@ -20916,7 +20916,7 @@
       </p:sp>
       <p:pic>
         <p:nvPicPr>
-          <p:cNvPr id="7" name="图片 6" descr="E:/research/study/draw/绘图.png绘图"/>
+          <p:cNvPr id="7" name="图片 6" descr="E:/research/study/draw/绘图1.png绘图1"/>
           <p:cNvPicPr>
             <a:picLocks noChangeAspect="1"/>
           </p:cNvPicPr>
@@ -21078,7 +21078,7 @@
       </p:pic>
       <p:pic>
         <p:nvPicPr>
-          <p:cNvPr id="6" name="图片 5" descr="E:/research/study/draw/绘图.png绘图"/>
+          <p:cNvPr id="6" name="图片 5" descr="E:/research/study/draw/绘图1.png绘图1"/>
           <p:cNvPicPr>
             <a:picLocks noChangeAspect="1"/>
           </p:cNvPicPr>
@@ -21086,7 +21086,7 @@
         </p:nvPicPr>
         <p:blipFill>
           <a:blip r:embed="rId4"/>
-          <a:srcRect l="10" r="10"/>
+          <a:srcRect l="18" r="18"/>
           <a:stretch>
             <a:fillRect/>
           </a:stretch>
